--- a/PPTs/01_iac_bigger_picture.pptx
+++ b/PPTs/01_iac_bigger_picture.pptx
@@ -209,6 +209,200 @@
 
 <file path=ppt/changesInfos/changesInfo1.xml><?xml version="1.0" encoding="utf-8"?>
 <pc:chgInfo xmlns:a="http://schemas.openxmlformats.org/drawingml/2006/main" xmlns:r="http://schemas.openxmlformats.org/officeDocument/2006/relationships" xmlns:ac="http://schemas.microsoft.com/office/drawing/2013/main/command" xmlns:pc="http://schemas.microsoft.com/office/powerpoint/2013/main/command">
+  <pc:docChgLst>
+    <pc:chgData name="Suren Mohandass" userId="7d651f86-eb57-4558-b56c-97c886fa0419" providerId="ADAL" clId="{1B99B4ED-EC73-4683-BE43-374D4D8E00BD}"/>
+    <pc:docChg chg="undo custSel mod addSld delSld modSld modSection">
+      <pc:chgData name="Suren Mohandass" userId="7d651f86-eb57-4558-b56c-97c886fa0419" providerId="ADAL" clId="{1B99B4ED-EC73-4683-BE43-374D4D8E00BD}" dt="2020-06-06T09:17:11.681" v="649" actId="700"/>
+      <pc:docMkLst>
+        <pc:docMk/>
+      </pc:docMkLst>
+      <pc:sldChg chg="del">
+        <pc:chgData name="Suren Mohandass" userId="7d651f86-eb57-4558-b56c-97c886fa0419" providerId="ADAL" clId="{1B99B4ED-EC73-4683-BE43-374D4D8E00BD}" dt="2020-06-06T09:13:07.340" v="396" actId="47"/>
+        <pc:sldMkLst>
+          <pc:docMk/>
+          <pc:sldMk cId="3957722359" sldId="1660"/>
+        </pc:sldMkLst>
+      </pc:sldChg>
+      <pc:sldChg chg="addSp delSp modSp mod modClrScheme modAnim chgLayout modNotesTx">
+        <pc:chgData name="Suren Mohandass" userId="7d651f86-eb57-4558-b56c-97c886fa0419" providerId="ADAL" clId="{1B99B4ED-EC73-4683-BE43-374D4D8E00BD}" dt="2020-06-06T09:16:13.871" v="606" actId="20577"/>
+        <pc:sldMkLst>
+          <pc:docMk/>
+          <pc:sldMk cId="1793706927" sldId="1670"/>
+        </pc:sldMkLst>
+        <pc:spChg chg="add del mod">
+          <ac:chgData name="Suren Mohandass" userId="7d651f86-eb57-4558-b56c-97c886fa0419" providerId="ADAL" clId="{1B99B4ED-EC73-4683-BE43-374D4D8E00BD}" dt="2020-06-06T09:09:02.338" v="293" actId="478"/>
+          <ac:spMkLst>
+            <pc:docMk/>
+            <pc:sldMk cId="1793706927" sldId="1670"/>
+            <ac:spMk id="6" creationId="{00000000-0000-0000-0000-000000000000}"/>
+          </ac:spMkLst>
+        </pc:spChg>
+        <pc:spChg chg="mod">
+          <ac:chgData name="Suren Mohandass" userId="7d651f86-eb57-4558-b56c-97c886fa0419" providerId="ADAL" clId="{1B99B4ED-EC73-4683-BE43-374D4D8E00BD}" dt="2020-06-06T09:14:40.299" v="495" actId="20577"/>
+          <ac:spMkLst>
+            <pc:docMk/>
+            <pc:sldMk cId="1793706927" sldId="1670"/>
+            <ac:spMk id="17" creationId="{00000000-0000-0000-0000-000000000000}"/>
+          </ac:spMkLst>
+        </pc:spChg>
+        <pc:spChg chg="add del mod">
+          <ac:chgData name="Suren Mohandass" userId="7d651f86-eb57-4558-b56c-97c886fa0419" providerId="ADAL" clId="{1B99B4ED-EC73-4683-BE43-374D4D8E00BD}" dt="2020-06-06T09:06:23.111" v="142" actId="26606"/>
+          <ac:spMkLst>
+            <pc:docMk/>
+            <pc:sldMk cId="1793706927" sldId="1670"/>
+            <ac:spMk id="23" creationId="{182A7C65-02C5-4836-9F22-A8C14B0EA00F}"/>
+          </ac:spMkLst>
+        </pc:spChg>
+        <pc:graphicFrameChg chg="add del modGraphic">
+          <ac:chgData name="Suren Mohandass" userId="7d651f86-eb57-4558-b56c-97c886fa0419" providerId="ADAL" clId="{1B99B4ED-EC73-4683-BE43-374D4D8E00BD}" dt="2020-06-06T09:05:18" v="134" actId="1032"/>
+          <ac:graphicFrameMkLst>
+            <pc:docMk/>
+            <pc:sldMk cId="1793706927" sldId="1670"/>
+            <ac:graphicFrameMk id="2" creationId="{B232FCB7-6260-49A9-A1B8-E2D6C444AB22}"/>
+          </ac:graphicFrameMkLst>
+        </pc:graphicFrameChg>
+        <pc:graphicFrameChg chg="add del mod">
+          <ac:chgData name="Suren Mohandass" userId="7d651f86-eb57-4558-b56c-97c886fa0419" providerId="ADAL" clId="{1B99B4ED-EC73-4683-BE43-374D4D8E00BD}" dt="2020-06-06T09:06:22.590" v="141" actId="1957"/>
+          <ac:graphicFrameMkLst>
+            <pc:docMk/>
+            <pc:sldMk cId="1793706927" sldId="1670"/>
+            <ac:graphicFrameMk id="5" creationId="{7DECEC63-8C24-4249-BA20-22E755FB55E7}"/>
+          </ac:graphicFrameMkLst>
+        </pc:graphicFrameChg>
+        <pc:graphicFrameChg chg="add mod modGraphic">
+          <ac:chgData name="Suren Mohandass" userId="7d651f86-eb57-4558-b56c-97c886fa0419" providerId="ADAL" clId="{1B99B4ED-EC73-4683-BE43-374D4D8E00BD}" dt="2020-06-06T09:11:11.834" v="310" actId="12269"/>
+          <ac:graphicFrameMkLst>
+            <pc:docMk/>
+            <pc:sldMk cId="1793706927" sldId="1670"/>
+            <ac:graphicFrameMk id="7" creationId="{ACB3645D-26D1-4CEB-A610-BE335E57ED44}"/>
+          </ac:graphicFrameMkLst>
+        </pc:graphicFrameChg>
+        <pc:graphicFrameChg chg="add del">
+          <ac:chgData name="Suren Mohandass" userId="7d651f86-eb57-4558-b56c-97c886fa0419" providerId="ADAL" clId="{1B99B4ED-EC73-4683-BE43-374D4D8E00BD}" dt="2020-06-06T09:06:00.550" v="136" actId="26606"/>
+          <ac:graphicFrameMkLst>
+            <pc:docMk/>
+            <pc:sldMk cId="1793706927" sldId="1670"/>
+            <ac:graphicFrameMk id="19" creationId="{8BCAD93F-1B52-402F-92C0-A6FA6344B224}"/>
+          </ac:graphicFrameMkLst>
+        </pc:graphicFrameChg>
+        <pc:graphicFrameChg chg="add del mod">
+          <ac:chgData name="Suren Mohandass" userId="7d651f86-eb57-4558-b56c-97c886fa0419" providerId="ADAL" clId="{1B99B4ED-EC73-4683-BE43-374D4D8E00BD}" dt="2020-06-06T09:06:23.111" v="142" actId="26606"/>
+          <ac:graphicFrameMkLst>
+            <pc:docMk/>
+            <pc:sldMk cId="1793706927" sldId="1670"/>
+            <ac:graphicFrameMk id="21" creationId="{43AD68B0-F383-4A36-8862-33C702B4351A}"/>
+          </ac:graphicFrameMkLst>
+        </pc:graphicFrameChg>
+      </pc:sldChg>
+      <pc:sldChg chg="del">
+        <pc:chgData name="Suren Mohandass" userId="7d651f86-eb57-4558-b56c-97c886fa0419" providerId="ADAL" clId="{1B99B4ED-EC73-4683-BE43-374D4D8E00BD}" dt="2020-06-06T09:13:07.340" v="396" actId="47"/>
+        <pc:sldMkLst>
+          <pc:docMk/>
+          <pc:sldMk cId="2639379867" sldId="1720"/>
+        </pc:sldMkLst>
+      </pc:sldChg>
+      <pc:sldChg chg="addSp delSp modSp new mod chgLayout">
+        <pc:chgData name="Suren Mohandass" userId="7d651f86-eb57-4558-b56c-97c886fa0419" providerId="ADAL" clId="{1B99B4ED-EC73-4683-BE43-374D4D8E00BD}" dt="2020-06-06T09:14:14.485" v="465" actId="1076"/>
+        <pc:sldMkLst>
+          <pc:docMk/>
+          <pc:sldMk cId="2641025987" sldId="2047"/>
+        </pc:sldMkLst>
+        <pc:spChg chg="del mod ord">
+          <ac:chgData name="Suren Mohandass" userId="7d651f86-eb57-4558-b56c-97c886fa0419" providerId="ADAL" clId="{1B99B4ED-EC73-4683-BE43-374D4D8E00BD}" dt="2020-06-06T09:13:39.199" v="398" actId="700"/>
+          <ac:spMkLst>
+            <pc:docMk/>
+            <pc:sldMk cId="2641025987" sldId="2047"/>
+            <ac:spMk id="2" creationId="{6D4343D0-413A-4A8A-A949-60F2FC8D8D58}"/>
+          </ac:spMkLst>
+        </pc:spChg>
+        <pc:spChg chg="del">
+          <ac:chgData name="Suren Mohandass" userId="7d651f86-eb57-4558-b56c-97c886fa0419" providerId="ADAL" clId="{1B99B4ED-EC73-4683-BE43-374D4D8E00BD}" dt="2020-06-06T09:13:39.199" v="398" actId="700"/>
+          <ac:spMkLst>
+            <pc:docMk/>
+            <pc:sldMk cId="2641025987" sldId="2047"/>
+            <ac:spMk id="3" creationId="{F9853FFB-D8D1-40FF-8A9B-B36571B26A54}"/>
+          </ac:spMkLst>
+        </pc:spChg>
+        <pc:spChg chg="add mod ord">
+          <ac:chgData name="Suren Mohandass" userId="7d651f86-eb57-4558-b56c-97c886fa0419" providerId="ADAL" clId="{1B99B4ED-EC73-4683-BE43-374D4D8E00BD}" dt="2020-06-06T09:14:14.485" v="465" actId="1076"/>
+          <ac:spMkLst>
+            <pc:docMk/>
+            <pc:sldMk cId="2641025987" sldId="2047"/>
+            <ac:spMk id="4" creationId="{B813BB49-08F6-4187-871B-D79C32DFD50C}"/>
+          </ac:spMkLst>
+        </pc:spChg>
+      </pc:sldChg>
+      <pc:sldChg chg="modSp add mod">
+        <pc:chgData name="Suren Mohandass" userId="7d651f86-eb57-4558-b56c-97c886fa0419" providerId="ADAL" clId="{1B99B4ED-EC73-4683-BE43-374D4D8E00BD}" dt="2020-06-06T09:16:39.401" v="646" actId="20577"/>
+        <pc:sldMkLst>
+          <pc:docMk/>
+          <pc:sldMk cId="1358104413" sldId="2048"/>
+        </pc:sldMkLst>
+        <pc:spChg chg="mod">
+          <ac:chgData name="Suren Mohandass" userId="7d651f86-eb57-4558-b56c-97c886fa0419" providerId="ADAL" clId="{1B99B4ED-EC73-4683-BE43-374D4D8E00BD}" dt="2020-06-06T09:16:39.401" v="646" actId="20577"/>
+          <ac:spMkLst>
+            <pc:docMk/>
+            <pc:sldMk cId="1358104413" sldId="2048"/>
+            <ac:spMk id="4" creationId="{B813BB49-08F6-4187-871B-D79C32DFD50C}"/>
+          </ac:spMkLst>
+        </pc:spChg>
+      </pc:sldChg>
+      <pc:sldChg chg="addSp delSp modSp new mod modClrScheme chgLayout">
+        <pc:chgData name="Suren Mohandass" userId="7d651f86-eb57-4558-b56c-97c886fa0419" providerId="ADAL" clId="{1B99B4ED-EC73-4683-BE43-374D4D8E00BD}" dt="2020-06-06T09:17:11.681" v="649" actId="700"/>
+        <pc:sldMkLst>
+          <pc:docMk/>
+          <pc:sldMk cId="673196761" sldId="2049"/>
+        </pc:sldMkLst>
+        <pc:spChg chg="del">
+          <ac:chgData name="Suren Mohandass" userId="7d651f86-eb57-4558-b56c-97c886fa0419" providerId="ADAL" clId="{1B99B4ED-EC73-4683-BE43-374D4D8E00BD}" dt="2020-06-06T09:17:07.596" v="648"/>
+          <ac:spMkLst>
+            <pc:docMk/>
+            <pc:sldMk cId="673196761" sldId="2049"/>
+            <ac:spMk id="2" creationId="{A9FE00D0-79E9-4F5B-8717-0398497B4662}"/>
+          </ac:spMkLst>
+        </pc:spChg>
+        <pc:spChg chg="add del mod ord">
+          <ac:chgData name="Suren Mohandass" userId="7d651f86-eb57-4558-b56c-97c886fa0419" providerId="ADAL" clId="{1B99B4ED-EC73-4683-BE43-374D4D8E00BD}" dt="2020-06-06T09:17:11.681" v="649" actId="700"/>
+          <ac:spMkLst>
+            <pc:docMk/>
+            <pc:sldMk cId="673196761" sldId="2049"/>
+            <ac:spMk id="3" creationId="{6DB863D4-C4BA-47DC-BC0F-2CE66E946D1B}"/>
+          </ac:spMkLst>
+        </pc:spChg>
+        <pc:spChg chg="add mod ord">
+          <ac:chgData name="Suren Mohandass" userId="7d651f86-eb57-4558-b56c-97c886fa0419" providerId="ADAL" clId="{1B99B4ED-EC73-4683-BE43-374D4D8E00BD}" dt="2020-06-06T09:17:11.681" v="649" actId="700"/>
+          <ac:spMkLst>
+            <pc:docMk/>
+            <pc:sldMk cId="673196761" sldId="2049"/>
+            <ac:spMk id="4" creationId="{EE3DCCC5-C51A-40F2-9013-62DC8BAF2765}"/>
+          </ac:spMkLst>
+        </pc:spChg>
+        <pc:spChg chg="add mod ord">
+          <ac:chgData name="Suren Mohandass" userId="7d651f86-eb57-4558-b56c-97c886fa0419" providerId="ADAL" clId="{1B99B4ED-EC73-4683-BE43-374D4D8E00BD}" dt="2020-06-06T09:17:11.681" v="649" actId="700"/>
+          <ac:spMkLst>
+            <pc:docMk/>
+            <pc:sldMk cId="673196761" sldId="2049"/>
+            <ac:spMk id="5" creationId="{9AB8C60B-0099-4C0D-8D71-569D92C6E832}"/>
+          </ac:spMkLst>
+        </pc:spChg>
+        <pc:spChg chg="add mod ord">
+          <ac:chgData name="Suren Mohandass" userId="7d651f86-eb57-4558-b56c-97c886fa0419" providerId="ADAL" clId="{1B99B4ED-EC73-4683-BE43-374D4D8E00BD}" dt="2020-06-06T09:17:11.681" v="649" actId="700"/>
+          <ac:spMkLst>
+            <pc:docMk/>
+            <pc:sldMk cId="673196761" sldId="2049"/>
+            <ac:spMk id="6" creationId="{1620CEE0-C1F2-47B8-90D1-C5E85EC7CA77}"/>
+          </ac:spMkLst>
+        </pc:spChg>
+      </pc:sldChg>
+      <pc:sldChg chg="del">
+        <pc:chgData name="Suren Mohandass" userId="7d651f86-eb57-4558-b56c-97c886fa0419" providerId="ADAL" clId="{1B99B4ED-EC73-4683-BE43-374D4D8E00BD}" dt="2020-06-06T09:13:07.340" v="396" actId="47"/>
+        <pc:sldMkLst>
+          <pc:docMk/>
+          <pc:sldMk cId="4178565498" sldId="2051"/>
+        </pc:sldMkLst>
+      </pc:sldChg>
+    </pc:docChg>
+  </pc:docChgLst>
   <pc:docChgLst>
     <pc:chgData name="Suren Mohandass" userId="7d651f86-eb57-4558-b56c-97c886fa0419" providerId="ADAL" clId="{DF688C93-E493-49EA-99E2-A4E33454B13A}"/>
     <pc:docChg chg="undo custSel modSld">
@@ -1316,200 +1510,6 @@
             <ac:picMk id="4118" creationId="{AFBBB9CD-84C1-41C7-89C4-9DF78ED014EC}"/>
           </ac:picMkLst>
         </pc:picChg>
-      </pc:sldChg>
-    </pc:docChg>
-  </pc:docChgLst>
-  <pc:docChgLst>
-    <pc:chgData name="Suren Mohandass" userId="7d651f86-eb57-4558-b56c-97c886fa0419" providerId="ADAL" clId="{1B99B4ED-EC73-4683-BE43-374D4D8E00BD}"/>
-    <pc:docChg chg="undo custSel mod addSld delSld modSld modSection">
-      <pc:chgData name="Suren Mohandass" userId="7d651f86-eb57-4558-b56c-97c886fa0419" providerId="ADAL" clId="{1B99B4ED-EC73-4683-BE43-374D4D8E00BD}" dt="2020-06-06T09:17:11.681" v="649" actId="700"/>
-      <pc:docMkLst>
-        <pc:docMk/>
-      </pc:docMkLst>
-      <pc:sldChg chg="del">
-        <pc:chgData name="Suren Mohandass" userId="7d651f86-eb57-4558-b56c-97c886fa0419" providerId="ADAL" clId="{1B99B4ED-EC73-4683-BE43-374D4D8E00BD}" dt="2020-06-06T09:13:07.340" v="396" actId="47"/>
-        <pc:sldMkLst>
-          <pc:docMk/>
-          <pc:sldMk cId="3957722359" sldId="1660"/>
-        </pc:sldMkLst>
-      </pc:sldChg>
-      <pc:sldChg chg="addSp delSp modSp mod modClrScheme modAnim chgLayout modNotesTx">
-        <pc:chgData name="Suren Mohandass" userId="7d651f86-eb57-4558-b56c-97c886fa0419" providerId="ADAL" clId="{1B99B4ED-EC73-4683-BE43-374D4D8E00BD}" dt="2020-06-06T09:16:13.871" v="606" actId="20577"/>
-        <pc:sldMkLst>
-          <pc:docMk/>
-          <pc:sldMk cId="1793706927" sldId="1670"/>
-        </pc:sldMkLst>
-        <pc:spChg chg="add del mod">
-          <ac:chgData name="Suren Mohandass" userId="7d651f86-eb57-4558-b56c-97c886fa0419" providerId="ADAL" clId="{1B99B4ED-EC73-4683-BE43-374D4D8E00BD}" dt="2020-06-06T09:09:02.338" v="293" actId="478"/>
-          <ac:spMkLst>
-            <pc:docMk/>
-            <pc:sldMk cId="1793706927" sldId="1670"/>
-            <ac:spMk id="6" creationId="{00000000-0000-0000-0000-000000000000}"/>
-          </ac:spMkLst>
-        </pc:spChg>
-        <pc:spChg chg="mod">
-          <ac:chgData name="Suren Mohandass" userId="7d651f86-eb57-4558-b56c-97c886fa0419" providerId="ADAL" clId="{1B99B4ED-EC73-4683-BE43-374D4D8E00BD}" dt="2020-06-06T09:14:40.299" v="495" actId="20577"/>
-          <ac:spMkLst>
-            <pc:docMk/>
-            <pc:sldMk cId="1793706927" sldId="1670"/>
-            <ac:spMk id="17" creationId="{00000000-0000-0000-0000-000000000000}"/>
-          </ac:spMkLst>
-        </pc:spChg>
-        <pc:spChg chg="add del mod">
-          <ac:chgData name="Suren Mohandass" userId="7d651f86-eb57-4558-b56c-97c886fa0419" providerId="ADAL" clId="{1B99B4ED-EC73-4683-BE43-374D4D8E00BD}" dt="2020-06-06T09:06:23.111" v="142" actId="26606"/>
-          <ac:spMkLst>
-            <pc:docMk/>
-            <pc:sldMk cId="1793706927" sldId="1670"/>
-            <ac:spMk id="23" creationId="{182A7C65-02C5-4836-9F22-A8C14B0EA00F}"/>
-          </ac:spMkLst>
-        </pc:spChg>
-        <pc:graphicFrameChg chg="add del modGraphic">
-          <ac:chgData name="Suren Mohandass" userId="7d651f86-eb57-4558-b56c-97c886fa0419" providerId="ADAL" clId="{1B99B4ED-EC73-4683-BE43-374D4D8E00BD}" dt="2020-06-06T09:05:18" v="134" actId="1032"/>
-          <ac:graphicFrameMkLst>
-            <pc:docMk/>
-            <pc:sldMk cId="1793706927" sldId="1670"/>
-            <ac:graphicFrameMk id="2" creationId="{B232FCB7-6260-49A9-A1B8-E2D6C444AB22}"/>
-          </ac:graphicFrameMkLst>
-        </pc:graphicFrameChg>
-        <pc:graphicFrameChg chg="add del mod">
-          <ac:chgData name="Suren Mohandass" userId="7d651f86-eb57-4558-b56c-97c886fa0419" providerId="ADAL" clId="{1B99B4ED-EC73-4683-BE43-374D4D8E00BD}" dt="2020-06-06T09:06:22.590" v="141" actId="1957"/>
-          <ac:graphicFrameMkLst>
-            <pc:docMk/>
-            <pc:sldMk cId="1793706927" sldId="1670"/>
-            <ac:graphicFrameMk id="5" creationId="{7DECEC63-8C24-4249-BA20-22E755FB55E7}"/>
-          </ac:graphicFrameMkLst>
-        </pc:graphicFrameChg>
-        <pc:graphicFrameChg chg="add mod modGraphic">
-          <ac:chgData name="Suren Mohandass" userId="7d651f86-eb57-4558-b56c-97c886fa0419" providerId="ADAL" clId="{1B99B4ED-EC73-4683-BE43-374D4D8E00BD}" dt="2020-06-06T09:11:11.834" v="310" actId="12269"/>
-          <ac:graphicFrameMkLst>
-            <pc:docMk/>
-            <pc:sldMk cId="1793706927" sldId="1670"/>
-            <ac:graphicFrameMk id="7" creationId="{ACB3645D-26D1-4CEB-A610-BE335E57ED44}"/>
-          </ac:graphicFrameMkLst>
-        </pc:graphicFrameChg>
-        <pc:graphicFrameChg chg="add del">
-          <ac:chgData name="Suren Mohandass" userId="7d651f86-eb57-4558-b56c-97c886fa0419" providerId="ADAL" clId="{1B99B4ED-EC73-4683-BE43-374D4D8E00BD}" dt="2020-06-06T09:06:00.550" v="136" actId="26606"/>
-          <ac:graphicFrameMkLst>
-            <pc:docMk/>
-            <pc:sldMk cId="1793706927" sldId="1670"/>
-            <ac:graphicFrameMk id="19" creationId="{8BCAD93F-1B52-402F-92C0-A6FA6344B224}"/>
-          </ac:graphicFrameMkLst>
-        </pc:graphicFrameChg>
-        <pc:graphicFrameChg chg="add del mod">
-          <ac:chgData name="Suren Mohandass" userId="7d651f86-eb57-4558-b56c-97c886fa0419" providerId="ADAL" clId="{1B99B4ED-EC73-4683-BE43-374D4D8E00BD}" dt="2020-06-06T09:06:23.111" v="142" actId="26606"/>
-          <ac:graphicFrameMkLst>
-            <pc:docMk/>
-            <pc:sldMk cId="1793706927" sldId="1670"/>
-            <ac:graphicFrameMk id="21" creationId="{43AD68B0-F383-4A36-8862-33C702B4351A}"/>
-          </ac:graphicFrameMkLst>
-        </pc:graphicFrameChg>
-      </pc:sldChg>
-      <pc:sldChg chg="del">
-        <pc:chgData name="Suren Mohandass" userId="7d651f86-eb57-4558-b56c-97c886fa0419" providerId="ADAL" clId="{1B99B4ED-EC73-4683-BE43-374D4D8E00BD}" dt="2020-06-06T09:13:07.340" v="396" actId="47"/>
-        <pc:sldMkLst>
-          <pc:docMk/>
-          <pc:sldMk cId="2639379867" sldId="1720"/>
-        </pc:sldMkLst>
-      </pc:sldChg>
-      <pc:sldChg chg="addSp delSp modSp new mod chgLayout">
-        <pc:chgData name="Suren Mohandass" userId="7d651f86-eb57-4558-b56c-97c886fa0419" providerId="ADAL" clId="{1B99B4ED-EC73-4683-BE43-374D4D8E00BD}" dt="2020-06-06T09:14:14.485" v="465" actId="1076"/>
-        <pc:sldMkLst>
-          <pc:docMk/>
-          <pc:sldMk cId="2641025987" sldId="2047"/>
-        </pc:sldMkLst>
-        <pc:spChg chg="del mod ord">
-          <ac:chgData name="Suren Mohandass" userId="7d651f86-eb57-4558-b56c-97c886fa0419" providerId="ADAL" clId="{1B99B4ED-EC73-4683-BE43-374D4D8E00BD}" dt="2020-06-06T09:13:39.199" v="398" actId="700"/>
-          <ac:spMkLst>
-            <pc:docMk/>
-            <pc:sldMk cId="2641025987" sldId="2047"/>
-            <ac:spMk id="2" creationId="{6D4343D0-413A-4A8A-A949-60F2FC8D8D58}"/>
-          </ac:spMkLst>
-        </pc:spChg>
-        <pc:spChg chg="del">
-          <ac:chgData name="Suren Mohandass" userId="7d651f86-eb57-4558-b56c-97c886fa0419" providerId="ADAL" clId="{1B99B4ED-EC73-4683-BE43-374D4D8E00BD}" dt="2020-06-06T09:13:39.199" v="398" actId="700"/>
-          <ac:spMkLst>
-            <pc:docMk/>
-            <pc:sldMk cId="2641025987" sldId="2047"/>
-            <ac:spMk id="3" creationId="{F9853FFB-D8D1-40FF-8A9B-B36571B26A54}"/>
-          </ac:spMkLst>
-        </pc:spChg>
-        <pc:spChg chg="add mod ord">
-          <ac:chgData name="Suren Mohandass" userId="7d651f86-eb57-4558-b56c-97c886fa0419" providerId="ADAL" clId="{1B99B4ED-EC73-4683-BE43-374D4D8E00BD}" dt="2020-06-06T09:14:14.485" v="465" actId="1076"/>
-          <ac:spMkLst>
-            <pc:docMk/>
-            <pc:sldMk cId="2641025987" sldId="2047"/>
-            <ac:spMk id="4" creationId="{B813BB49-08F6-4187-871B-D79C32DFD50C}"/>
-          </ac:spMkLst>
-        </pc:spChg>
-      </pc:sldChg>
-      <pc:sldChg chg="modSp add mod">
-        <pc:chgData name="Suren Mohandass" userId="7d651f86-eb57-4558-b56c-97c886fa0419" providerId="ADAL" clId="{1B99B4ED-EC73-4683-BE43-374D4D8E00BD}" dt="2020-06-06T09:16:39.401" v="646" actId="20577"/>
-        <pc:sldMkLst>
-          <pc:docMk/>
-          <pc:sldMk cId="1358104413" sldId="2048"/>
-        </pc:sldMkLst>
-        <pc:spChg chg="mod">
-          <ac:chgData name="Suren Mohandass" userId="7d651f86-eb57-4558-b56c-97c886fa0419" providerId="ADAL" clId="{1B99B4ED-EC73-4683-BE43-374D4D8E00BD}" dt="2020-06-06T09:16:39.401" v="646" actId="20577"/>
-          <ac:spMkLst>
-            <pc:docMk/>
-            <pc:sldMk cId="1358104413" sldId="2048"/>
-            <ac:spMk id="4" creationId="{B813BB49-08F6-4187-871B-D79C32DFD50C}"/>
-          </ac:spMkLst>
-        </pc:spChg>
-      </pc:sldChg>
-      <pc:sldChg chg="addSp delSp modSp new mod modClrScheme chgLayout">
-        <pc:chgData name="Suren Mohandass" userId="7d651f86-eb57-4558-b56c-97c886fa0419" providerId="ADAL" clId="{1B99B4ED-EC73-4683-BE43-374D4D8E00BD}" dt="2020-06-06T09:17:11.681" v="649" actId="700"/>
-        <pc:sldMkLst>
-          <pc:docMk/>
-          <pc:sldMk cId="673196761" sldId="2049"/>
-        </pc:sldMkLst>
-        <pc:spChg chg="del">
-          <ac:chgData name="Suren Mohandass" userId="7d651f86-eb57-4558-b56c-97c886fa0419" providerId="ADAL" clId="{1B99B4ED-EC73-4683-BE43-374D4D8E00BD}" dt="2020-06-06T09:17:07.596" v="648"/>
-          <ac:spMkLst>
-            <pc:docMk/>
-            <pc:sldMk cId="673196761" sldId="2049"/>
-            <ac:spMk id="2" creationId="{A9FE00D0-79E9-4F5B-8717-0398497B4662}"/>
-          </ac:spMkLst>
-        </pc:spChg>
-        <pc:spChg chg="add del mod ord">
-          <ac:chgData name="Suren Mohandass" userId="7d651f86-eb57-4558-b56c-97c886fa0419" providerId="ADAL" clId="{1B99B4ED-EC73-4683-BE43-374D4D8E00BD}" dt="2020-06-06T09:17:11.681" v="649" actId="700"/>
-          <ac:spMkLst>
-            <pc:docMk/>
-            <pc:sldMk cId="673196761" sldId="2049"/>
-            <ac:spMk id="3" creationId="{6DB863D4-C4BA-47DC-BC0F-2CE66E946D1B}"/>
-          </ac:spMkLst>
-        </pc:spChg>
-        <pc:spChg chg="add mod ord">
-          <ac:chgData name="Suren Mohandass" userId="7d651f86-eb57-4558-b56c-97c886fa0419" providerId="ADAL" clId="{1B99B4ED-EC73-4683-BE43-374D4D8E00BD}" dt="2020-06-06T09:17:11.681" v="649" actId="700"/>
-          <ac:spMkLst>
-            <pc:docMk/>
-            <pc:sldMk cId="673196761" sldId="2049"/>
-            <ac:spMk id="4" creationId="{EE3DCCC5-C51A-40F2-9013-62DC8BAF2765}"/>
-          </ac:spMkLst>
-        </pc:spChg>
-        <pc:spChg chg="add mod ord">
-          <ac:chgData name="Suren Mohandass" userId="7d651f86-eb57-4558-b56c-97c886fa0419" providerId="ADAL" clId="{1B99B4ED-EC73-4683-BE43-374D4D8E00BD}" dt="2020-06-06T09:17:11.681" v="649" actId="700"/>
-          <ac:spMkLst>
-            <pc:docMk/>
-            <pc:sldMk cId="673196761" sldId="2049"/>
-            <ac:spMk id="5" creationId="{9AB8C60B-0099-4C0D-8D71-569D92C6E832}"/>
-          </ac:spMkLst>
-        </pc:spChg>
-        <pc:spChg chg="add mod ord">
-          <ac:chgData name="Suren Mohandass" userId="7d651f86-eb57-4558-b56c-97c886fa0419" providerId="ADAL" clId="{1B99B4ED-EC73-4683-BE43-374D4D8E00BD}" dt="2020-06-06T09:17:11.681" v="649" actId="700"/>
-          <ac:spMkLst>
-            <pc:docMk/>
-            <pc:sldMk cId="673196761" sldId="2049"/>
-            <ac:spMk id="6" creationId="{1620CEE0-C1F2-47B8-90D1-C5E85EC7CA77}"/>
-          </ac:spMkLst>
-        </pc:spChg>
-      </pc:sldChg>
-      <pc:sldChg chg="del">
-        <pc:chgData name="Suren Mohandass" userId="7d651f86-eb57-4558-b56c-97c886fa0419" providerId="ADAL" clId="{1B99B4ED-EC73-4683-BE43-374D4D8E00BD}" dt="2020-06-06T09:13:07.340" v="396" actId="47"/>
-        <pc:sldMkLst>
-          <pc:docMk/>
-          <pc:sldMk cId="4178565498" sldId="2051"/>
-        </pc:sldMkLst>
       </pc:sldChg>
     </pc:docChg>
   </pc:docChgLst>
@@ -21594,7 +21594,7 @@
               <a:rPr lang="en-US" smtClean="0">
                 <a:latin typeface="Segoe UI" pitchFamily="34" charset="0"/>
               </a:rPr>
-              <a:t>3/16/2021 2:25 PM</a:t>
+              <a:t>6/29/2023 12:11 PM</a:t>
             </a:fld>
             <a:endParaRPr lang="en-US" dirty="0">
               <a:latin typeface="Segoe UI" pitchFamily="34" charset="0"/>
@@ -21872,7 +21872,7 @@
           <a:p>
             <a:fld id="{386CE63F-9E7F-4C04-9D0D-FCA25A8E9E86}" type="datetime8">
               <a:rPr lang="en-US" smtClean="0"/>
-              <a:t>3/16/2021 2:24 PM</a:t>
+              <a:t>6/29/2023 12:10 PM</a:t>
             </a:fld>
             <a:endParaRPr lang="en-US" dirty="0"/>
           </a:p>
@@ -22239,7 +22239,7 @@
           <a:p>
             <a:fld id="{321E5A7B-BB8D-4368-A182-109669521632}" type="datetime8">
               <a:rPr lang="en-US" smtClean="0"/>
-              <a:t>3/16/2021 2:24 PM</a:t>
+              <a:t>6/29/2023 12:10 PM</a:t>
             </a:fld>
             <a:endParaRPr lang="en-US" dirty="0"/>
           </a:p>
@@ -22404,7 +22404,7 @@
           <a:p>
             <a:fld id="{E2F19A73-88F5-4B80-A929-CF8E66EE5449}" type="datetime8">
               <a:rPr lang="en-US" smtClean="0"/>
-              <a:t>3/16/2021 2:24 PM</a:t>
+              <a:t>6/29/2023 12:10 PM</a:t>
             </a:fld>
             <a:endParaRPr lang="en-US" dirty="0"/>
           </a:p>
@@ -22823,7 +22823,7 @@
           <a:p>
             <a:fld id="{386CE63F-9E7F-4C04-9D0D-FCA25A8E9E86}" type="datetime8">
               <a:rPr lang="en-US" smtClean="0"/>
-              <a:t>3/16/2021 2:24 PM</a:t>
+              <a:t>6/29/2023 12:10 PM</a:t>
             </a:fld>
             <a:endParaRPr lang="en-US" dirty="0"/>
           </a:p>
@@ -23048,7 +23048,7 @@
           <a:p>
             <a:fld id="{386CE63F-9E7F-4C04-9D0D-FCA25A8E9E86}" type="datetime8">
               <a:rPr lang="en-US" smtClean="0"/>
-              <a:t>3/16/2021 2:24 PM</a:t>
+              <a:t>6/29/2023 12:11 PM</a:t>
             </a:fld>
             <a:endParaRPr lang="en-US" dirty="0"/>
           </a:p>
@@ -23213,7 +23213,7 @@
           <a:p>
             <a:fld id="{9427A7F7-BB1E-479D-AFAA-B52F4D0C99F2}" type="datetime8">
               <a:rPr lang="en-US" smtClean="0"/>
-              <a:t>3/16/2021 2:24 PM</a:t>
+              <a:t>6/29/2023 12:10 PM</a:t>
             </a:fld>
             <a:endParaRPr lang="en-US" dirty="0"/>
           </a:p>
@@ -23363,7 +23363,7 @@
                   <a:prstClr val="black"/>
                 </a:solidFill>
               </a:rPr>
-              <a:t>3/16/2021 2:24 PM</a:t>
+              <a:t>6/29/2023 12:10 PM</a:t>
             </a:fld>
             <a:endParaRPr lang="en-US" dirty="0">
               <a:solidFill>
@@ -23563,7 +23563,7 @@
                   <a:prstClr val="black"/>
                 </a:solidFill>
               </a:rPr>
-              <a:t>3/16/2021 2:24 PM</a:t>
+              <a:t>6/29/2023 12:10 PM</a:t>
             </a:fld>
             <a:endParaRPr lang="en-US" dirty="0">
               <a:solidFill>
@@ -23797,7 +23797,7 @@
           <a:p>
             <a:fld id="{386CE63F-9E7F-4C04-9D0D-FCA25A8E9E86}" type="datetime8">
               <a:rPr lang="en-US" smtClean="0"/>
-              <a:t>3/16/2021 2:24 PM</a:t>
+              <a:t>6/29/2023 12:10 PM</a:t>
             </a:fld>
             <a:endParaRPr lang="en-US" dirty="0"/>
           </a:p>
@@ -24021,7 +24021,7 @@
           <a:p>
             <a:fld id="{9427A7F7-BB1E-479D-AFAA-B52F4D0C99F2}" type="datetime8">
               <a:rPr lang="en-US" smtClean="0"/>
-              <a:t>3/16/2021 2:24 PM</a:t>
+              <a:t>6/29/2023 12:10 PM</a:t>
             </a:fld>
             <a:endParaRPr lang="en-US" dirty="0"/>
           </a:p>
@@ -24202,7 +24202,7 @@
           <a:p>
             <a:fld id="{386CE63F-9E7F-4C04-9D0D-FCA25A8E9E86}" type="datetime8">
               <a:rPr lang="en-US" smtClean="0"/>
-              <a:t>3/16/2021 2:24 PM</a:t>
+              <a:t>6/29/2023 12:10 PM</a:t>
             </a:fld>
             <a:endParaRPr lang="en-US" dirty="0"/>
           </a:p>
@@ -24469,7 +24469,7 @@
           <a:p>
             <a:fld id="{386CE63F-9E7F-4C04-9D0D-FCA25A8E9E86}" type="datetime8">
               <a:rPr lang="en-US" smtClean="0"/>
-              <a:t>3/16/2021 2:24 PM</a:t>
+              <a:t>6/29/2023 12:10 PM</a:t>
             </a:fld>
             <a:endParaRPr lang="en-US" dirty="0"/>
           </a:p>
@@ -24862,7 +24862,7 @@
           <a:p>
             <a:fld id="{386CE63F-9E7F-4C04-9D0D-FCA25A8E9E86}" type="datetime8">
               <a:rPr lang="en-US" smtClean="0"/>
-              <a:t>3/16/2021 2:24 PM</a:t>
+              <a:t>6/29/2023 12:10 PM</a:t>
             </a:fld>
             <a:endParaRPr lang="en-US" dirty="0"/>
           </a:p>
@@ -25043,7 +25043,7 @@
           <a:p>
             <a:fld id="{386CE63F-9E7F-4C04-9D0D-FCA25A8E9E86}" type="datetime8">
               <a:rPr lang="en-US" smtClean="0"/>
-              <a:t>3/16/2021 2:24 PM</a:t>
+              <a:t>6/29/2023 12:10 PM</a:t>
             </a:fld>
             <a:endParaRPr lang="en-US" dirty="0"/>
           </a:p>
@@ -25227,7 +25227,7 @@
           <a:p>
             <a:fld id="{386CE63F-9E7F-4C04-9D0D-FCA25A8E9E86}" type="datetime8">
               <a:rPr lang="en-US" smtClean="0"/>
-              <a:t>3/16/2021 2:24 PM</a:t>
+              <a:t>6/29/2023 12:10 PM</a:t>
             </a:fld>
             <a:endParaRPr lang="en-US" dirty="0"/>
           </a:p>
@@ -25457,7 +25457,7 @@
           <a:p>
             <a:fld id="{386CE63F-9E7F-4C04-9D0D-FCA25A8E9E86}" type="datetime8">
               <a:rPr lang="en-US" smtClean="0"/>
-              <a:t>3/16/2021 2:24 PM</a:t>
+              <a:t>6/29/2023 12:10 PM</a:t>
             </a:fld>
             <a:endParaRPr lang="en-US" dirty="0"/>
           </a:p>
@@ -35747,8 +35747,12 @@
           <a:lstStyle/>
           <a:p>
             <a:r>
+              <a:rPr lang="en-GB" dirty="0" err="1"/>
+              <a:t>IaC</a:t>
+            </a:r>
+            <a:r>
               <a:rPr lang="en-GB" dirty="0"/>
-              <a:t>IaC tools for Azure</a:t>
+              <a:t> and Configuration tools for Azure</a:t>
             </a:r>
           </a:p>
         </p:txBody>
@@ -36131,6 +36135,42 @@
           <a:xfrm>
             <a:off x="8732892" y="5182651"/>
             <a:ext cx="3044689" cy="1274136"/>
+          </a:xfrm>
+          <a:prstGeom prst="rect">
+            <a:avLst/>
+          </a:prstGeom>
+        </p:spPr>
+      </p:pic>
+      <p:pic>
+        <p:nvPicPr>
+          <p:cNvPr id="5" name="Graphic 4">
+            <a:extLst>
+              <a:ext uri="{FF2B5EF4-FFF2-40B4-BE49-F238E27FC236}">
+                <a16:creationId xmlns:a16="http://schemas.microsoft.com/office/drawing/2014/main" id="{9AF4D23F-86EB-5C21-5420-A179AD34D285}"/>
+              </a:ext>
+            </a:extLst>
+          </p:cNvPr>
+          <p:cNvPicPr>
+            <a:picLocks noChangeAspect="1"/>
+          </p:cNvPicPr>
+          <p:nvPr/>
+        </p:nvPicPr>
+        <p:blipFill>
+          <a:blip r:embed="rId12">
+            <a:extLst>
+              <a:ext uri="{96DAC541-7B7A-43D3-8B79-37D633B846F1}">
+                <asvg:svgBlip xmlns:asvg="http://schemas.microsoft.com/office/drawing/2016/SVG/main" r:embed="rId13"/>
+              </a:ext>
+            </a:extLst>
+          </a:blip>
+          <a:stretch>
+            <a:fillRect/>
+          </a:stretch>
+        </p:blipFill>
+        <p:spPr>
+          <a:xfrm>
+            <a:off x="2571217" y="2129656"/>
+            <a:ext cx="1219200" cy="1219200"/>
           </a:xfrm>
           <a:prstGeom prst="rect">
             <a:avLst/>
@@ -36862,7 +36902,7 @@
         </p:blipFill>
         <p:spPr bwMode="auto">
           <a:xfrm>
-            <a:off x="6396211" y="2699335"/>
+            <a:off x="7909325" y="2613172"/>
             <a:ext cx="2995612" cy="1687669"/>
           </a:xfrm>
           <a:prstGeom prst="rect">
@@ -36909,7 +36949,7 @@
         </p:blipFill>
         <p:spPr bwMode="auto">
           <a:xfrm>
-            <a:off x="2629412" y="2801695"/>
+            <a:off x="1317022" y="2715532"/>
             <a:ext cx="1728113" cy="1482948"/>
           </a:xfrm>
           <a:prstGeom prst="rect">
@@ -36927,51 +36967,42 @@
           </a:extLst>
         </p:spPr>
       </p:pic>
-      <p:sp>
-        <p:nvSpPr>
-          <p:cNvPr id="6" name="TextBox 5">
+      <p:pic>
+        <p:nvPicPr>
+          <p:cNvPr id="2" name="Graphic 1">
             <a:extLst>
               <a:ext uri="{FF2B5EF4-FFF2-40B4-BE49-F238E27FC236}">
-                <a16:creationId xmlns:a16="http://schemas.microsoft.com/office/drawing/2014/main" id="{7A86A2C8-E503-48F1-AC31-83011F5E3AC5}"/>
+                <a16:creationId xmlns:a16="http://schemas.microsoft.com/office/drawing/2014/main" id="{85A689F0-CF29-B04E-4E55-47E4D1DEC9B3}"/>
               </a:ext>
             </a:extLst>
           </p:cNvPr>
-          <p:cNvSpPr txBox="1"/>
+          <p:cNvPicPr>
+            <a:picLocks noChangeAspect="1"/>
+          </p:cNvPicPr>
           <p:nvPr/>
-        </p:nvSpPr>
+        </p:nvPicPr>
+        <p:blipFill>
+          <a:blip r:embed="rId5">
+            <a:extLst>
+              <a:ext uri="{96DAC541-7B7A-43D3-8B79-37D633B846F1}">
+                <asvg:svgBlip xmlns:asvg="http://schemas.microsoft.com/office/drawing/2016/SVG/main" r:embed="rId6"/>
+              </a:ext>
+            </a:extLst>
+          </a:blip>
+          <a:stretch>
+            <a:fillRect/>
+          </a:stretch>
+        </p:blipFill>
         <p:spPr>
           <a:xfrm>
-            <a:off x="2420874" y="6177501"/>
-            <a:ext cx="6761988" cy="635559"/>
+            <a:off x="4821805" y="2715532"/>
+            <a:ext cx="1622646" cy="1622646"/>
           </a:xfrm>
           <a:prstGeom prst="rect">
             <a:avLst/>
           </a:prstGeom>
-          <a:noFill/>
         </p:spPr>
-        <p:txBody>
-          <a:bodyPr wrap="square">
-            <a:spAutoFit/>
-          </a:bodyPr>
-          <a:lstStyle/>
-          <a:p>
-            <a:r>
-              <a:rPr lang="en-GB" dirty="0"/>
-              <a:t>Also check out: </a:t>
-            </a:r>
-            <a:r>
-              <a:rPr lang="en-GB" dirty="0">
-                <a:hlinkClick r:id="rId5"/>
-              </a:rPr>
-              <a:t>https://github.com/Azure/bicep</a:t>
-            </a:r>
-            <a:endParaRPr lang="en-GB" dirty="0"/>
-          </a:p>
-          <a:p>
-            <a:endParaRPr lang="en-GB" dirty="0"/>
-          </a:p>
-        </p:txBody>
-      </p:sp>
+      </p:pic>
     </p:spTree>
     <p:extLst>
       <p:ext uri="{BB962C8B-B14F-4D97-AF65-F5344CB8AC3E}">
@@ -41368,6 +41399,15 @@
 </file>
 
 <file path=customXml/item1.xml><?xml version="1.0" encoding="utf-8"?>
+<?mso-contentType ?>
+<FormTemplates xmlns="http://schemas.microsoft.com/sharepoint/v3/contenttype/forms">
+  <Display>DocumentLibraryForm</Display>
+  <Edit>DocumentLibraryForm</Edit>
+  <New>DocumentLibraryForm</New>
+</FormTemplates>
+</file>
+
+<file path=customXml/item2.xml><?xml version="1.0" encoding="utf-8"?>
 <ct:contentTypeSchema xmlns:ct="http://schemas.microsoft.com/office/2006/metadata/contentType" xmlns:ma="http://schemas.microsoft.com/office/2006/metadata/properties/metaAttributes" ct:_="" ma:_="" ma:contentTypeName="Document" ma:contentTypeID="0x010100581AC3C96BC25B49BAADFDD2709736A2" ma:contentTypeVersion="13" ma:contentTypeDescription="Create a new document." ma:contentTypeScope="" ma:versionID="46d05e5ad3e10e23d0d91d2c812a342c">
   <xsd:schema xmlns:xsd="http://www.w3.org/2001/XMLSchema" xmlns:xs="http://www.w3.org/2001/XMLSchema" xmlns:p="http://schemas.microsoft.com/office/2006/metadata/properties" xmlns:ns3="61d4b2b7-c11c-4679-a498-c69870ddf3ad" xmlns:ns4="53207a91-4873-4278-88cd-3a5c1985bff7" targetNamespace="http://schemas.microsoft.com/office/2006/metadata/properties" ma:root="true" ma:fieldsID="23414a13395756fa7b20173620af81aa" ns3:_="" ns4:_="">
     <xsd:import namespace="61d4b2b7-c11c-4679-a498-c69870ddf3ad"/>
@@ -41590,15 +41630,6 @@
 </ct:contentTypeSchema>
 </file>
 
-<file path=customXml/item2.xml><?xml version="1.0" encoding="utf-8"?>
-<?mso-contentType ?>
-<FormTemplates xmlns="http://schemas.microsoft.com/sharepoint/v3/contenttype/forms">
-  <Display>DocumentLibraryForm</Display>
-  <Edit>DocumentLibraryForm</Edit>
-  <New>DocumentLibraryForm</New>
-</FormTemplates>
-</file>
-
 <file path=customXml/item3.xml><?xml version="1.0" encoding="utf-8"?>
 <p:properties xmlns:p="http://schemas.microsoft.com/office/2006/metadata/properties" xmlns:pc="http://schemas.microsoft.com/office/infopath/2007/PartnerControls" xmlns:xsi="http://www.w3.org/2001/XMLSchema-instance">
   <documentManagement>
@@ -41615,6 +41646,14 @@
 </file>
 
 <file path=customXml/itemProps1.xml><?xml version="1.0" encoding="utf-8"?>
+<ds:datastoreItem xmlns:ds="http://schemas.openxmlformats.org/officeDocument/2006/customXml" ds:itemID="{758FDAC0-319D-4A54-8D8E-1D42CB1F8004}">
+  <ds:schemaRefs>
+    <ds:schemaRef ds:uri="http://schemas.microsoft.com/sharepoint/v3/contenttype/forms"/>
+  </ds:schemaRefs>
+</ds:datastoreItem>
+</file>
+
+<file path=customXml/itemProps2.xml><?xml version="1.0" encoding="utf-8"?>
 <ds:datastoreItem xmlns:ds="http://schemas.openxmlformats.org/officeDocument/2006/customXml" ds:itemID="{405A328C-4840-403E-8B77-0F15BF1E39AC}">
   <ds:schemaRefs>
     <ds:schemaRef ds:uri="http://schemas.microsoft.com/office/2006/metadata/contentType"/>
@@ -41629,14 +41668,6 @@
     <ds:schemaRef ds:uri="http://purl.org/dc/elements/1.1/"/>
     <ds:schemaRef ds:uri="http://purl.org/dc/terms/"/>
     <ds:schemaRef ds:uri="http://schemas.microsoft.com/internal/obd"/>
-  </ds:schemaRefs>
-</ds:datastoreItem>
-</file>
-
-<file path=customXml/itemProps2.xml><?xml version="1.0" encoding="utf-8"?>
-<ds:datastoreItem xmlns:ds="http://schemas.openxmlformats.org/officeDocument/2006/customXml" ds:itemID="{758FDAC0-319D-4A54-8D8E-1D42CB1F8004}">
-  <ds:schemaRefs>
-    <ds:schemaRef ds:uri="http://schemas.microsoft.com/sharepoint/v3/contenttype/forms"/>
   </ds:schemaRefs>
 </ds:datastoreItem>
 </file>
@@ -41656,4 +41687,10 @@
     <ds:schemaRef ds:uri="53207a91-4873-4278-88cd-3a5c1985bff7"/>
   </ds:schemaRefs>
 </ds:datastoreItem>
+</file>
+
+<file path=docMetadata/LabelInfo.xml><?xml version="1.0" encoding="utf-8"?>
+<clbl:labelList xmlns:clbl="http://schemas.microsoft.com/office/2020/mipLabelMetadata">
+  <clbl:label id="{f42aa342-8706-4288-bd11-ebb85995028c}" enabled="1" method="Standard" siteId="{72f988bf-86f1-41af-91ab-2d7cd011db47}" contentBits="0" removed="0"/>
+</clbl:labelList>
 </file>
--- a/PPTs/01_iac_bigger_picture.pptx
+++ b/PPTs/01_iac_bigger_picture.pptx
@@ -21594,7 +21594,7 @@
               <a:rPr lang="en-US" smtClean="0">
                 <a:latin typeface="Segoe UI" pitchFamily="34" charset="0"/>
               </a:rPr>
-              <a:t>6/29/2023 12:11 PM</a:t>
+              <a:t>7/31/2023 9:28 AM</a:t>
             </a:fld>
             <a:endParaRPr lang="en-US" dirty="0">
               <a:latin typeface="Segoe UI" pitchFamily="34" charset="0"/>
@@ -21872,7 +21872,7 @@
           <a:p>
             <a:fld id="{386CE63F-9E7F-4C04-9D0D-FCA25A8E9E86}" type="datetime8">
               <a:rPr lang="en-US" smtClean="0"/>
-              <a:t>6/29/2023 12:10 PM</a:t>
+              <a:t>7/31/2023 9:27 AM</a:t>
             </a:fld>
             <a:endParaRPr lang="en-US" dirty="0"/>
           </a:p>
@@ -22239,7 +22239,7 @@
           <a:p>
             <a:fld id="{321E5A7B-BB8D-4368-A182-109669521632}" type="datetime8">
               <a:rPr lang="en-US" smtClean="0"/>
-              <a:t>6/29/2023 12:10 PM</a:t>
+              <a:t>7/31/2023 9:27 AM</a:t>
             </a:fld>
             <a:endParaRPr lang="en-US" dirty="0"/>
           </a:p>
@@ -22404,7 +22404,7 @@
           <a:p>
             <a:fld id="{E2F19A73-88F5-4B80-A929-CF8E66EE5449}" type="datetime8">
               <a:rPr lang="en-US" smtClean="0"/>
-              <a:t>6/29/2023 12:10 PM</a:t>
+              <a:t>7/31/2023 9:27 AM</a:t>
             </a:fld>
             <a:endParaRPr lang="en-US" dirty="0"/>
           </a:p>
@@ -22823,7 +22823,7 @@
           <a:p>
             <a:fld id="{386CE63F-9E7F-4C04-9D0D-FCA25A8E9E86}" type="datetime8">
               <a:rPr lang="en-US" smtClean="0"/>
-              <a:t>6/29/2023 12:10 PM</a:t>
+              <a:t>7/31/2023 9:27 AM</a:t>
             </a:fld>
             <a:endParaRPr lang="en-US" dirty="0"/>
           </a:p>
@@ -23048,7 +23048,7 @@
           <a:p>
             <a:fld id="{386CE63F-9E7F-4C04-9D0D-FCA25A8E9E86}" type="datetime8">
               <a:rPr lang="en-US" smtClean="0"/>
-              <a:t>6/29/2023 12:11 PM</a:t>
+              <a:t>7/31/2023 9:27 AM</a:t>
             </a:fld>
             <a:endParaRPr lang="en-US" dirty="0"/>
           </a:p>
@@ -23213,7 +23213,7 @@
           <a:p>
             <a:fld id="{9427A7F7-BB1E-479D-AFAA-B52F4D0C99F2}" type="datetime8">
               <a:rPr lang="en-US" smtClean="0"/>
-              <a:t>6/29/2023 12:10 PM</a:t>
+              <a:t>7/31/2023 9:27 AM</a:t>
             </a:fld>
             <a:endParaRPr lang="en-US" dirty="0"/>
           </a:p>
@@ -23363,7 +23363,7 @@
                   <a:prstClr val="black"/>
                 </a:solidFill>
               </a:rPr>
-              <a:t>6/29/2023 12:10 PM</a:t>
+              <a:t>7/31/2023 9:27 AM</a:t>
             </a:fld>
             <a:endParaRPr lang="en-US" dirty="0">
               <a:solidFill>
@@ -23563,7 +23563,7 @@
                   <a:prstClr val="black"/>
                 </a:solidFill>
               </a:rPr>
-              <a:t>6/29/2023 12:10 PM</a:t>
+              <a:t>7/31/2023 9:27 AM</a:t>
             </a:fld>
             <a:endParaRPr lang="en-US" dirty="0">
               <a:solidFill>
@@ -23797,7 +23797,7 @@
           <a:p>
             <a:fld id="{386CE63F-9E7F-4C04-9D0D-FCA25A8E9E86}" type="datetime8">
               <a:rPr lang="en-US" smtClean="0"/>
-              <a:t>6/29/2023 12:10 PM</a:t>
+              <a:t>7/31/2023 9:27 AM</a:t>
             </a:fld>
             <a:endParaRPr lang="en-US" dirty="0"/>
           </a:p>
@@ -24021,7 +24021,7 @@
           <a:p>
             <a:fld id="{9427A7F7-BB1E-479D-AFAA-B52F4D0C99F2}" type="datetime8">
               <a:rPr lang="en-US" smtClean="0"/>
-              <a:t>6/29/2023 12:10 PM</a:t>
+              <a:t>7/31/2023 9:27 AM</a:t>
             </a:fld>
             <a:endParaRPr lang="en-US" dirty="0"/>
           </a:p>
@@ -24202,7 +24202,7 @@
           <a:p>
             <a:fld id="{386CE63F-9E7F-4C04-9D0D-FCA25A8E9E86}" type="datetime8">
               <a:rPr lang="en-US" smtClean="0"/>
-              <a:t>6/29/2023 12:10 PM</a:t>
+              <a:t>7/31/2023 9:27 AM</a:t>
             </a:fld>
             <a:endParaRPr lang="en-US" dirty="0"/>
           </a:p>
@@ -24469,7 +24469,7 @@
           <a:p>
             <a:fld id="{386CE63F-9E7F-4C04-9D0D-FCA25A8E9E86}" type="datetime8">
               <a:rPr lang="en-US" smtClean="0"/>
-              <a:t>6/29/2023 12:10 PM</a:t>
+              <a:t>7/31/2023 9:27 AM</a:t>
             </a:fld>
             <a:endParaRPr lang="en-US" dirty="0"/>
           </a:p>
@@ -24862,7 +24862,7 @@
           <a:p>
             <a:fld id="{386CE63F-9E7F-4C04-9D0D-FCA25A8E9E86}" type="datetime8">
               <a:rPr lang="en-US" smtClean="0"/>
-              <a:t>6/29/2023 12:10 PM</a:t>
+              <a:t>7/31/2023 9:27 AM</a:t>
             </a:fld>
             <a:endParaRPr lang="en-US" dirty="0"/>
           </a:p>
@@ -25043,7 +25043,7 @@
           <a:p>
             <a:fld id="{386CE63F-9E7F-4C04-9D0D-FCA25A8E9E86}" type="datetime8">
               <a:rPr lang="en-US" smtClean="0"/>
-              <a:t>6/29/2023 12:10 PM</a:t>
+              <a:t>7/31/2023 9:27 AM</a:t>
             </a:fld>
             <a:endParaRPr lang="en-US" dirty="0"/>
           </a:p>
@@ -25227,7 +25227,7 @@
           <a:p>
             <a:fld id="{386CE63F-9E7F-4C04-9D0D-FCA25A8E9E86}" type="datetime8">
               <a:rPr lang="en-US" smtClean="0"/>
-              <a:t>6/29/2023 12:10 PM</a:t>
+              <a:t>7/31/2023 9:27 AM</a:t>
             </a:fld>
             <a:endParaRPr lang="en-US" dirty="0"/>
           </a:p>
@@ -25457,7 +25457,7 @@
           <a:p>
             <a:fld id="{386CE63F-9E7F-4C04-9D0D-FCA25A8E9E86}" type="datetime8">
               <a:rPr lang="en-US" smtClean="0"/>
-              <a:t>6/29/2023 12:10 PM</a:t>
+              <a:t>7/31/2023 9:27 AM</a:t>
             </a:fld>
             <a:endParaRPr lang="en-US" dirty="0"/>
           </a:p>
@@ -35141,7 +35141,10 @@
           <a:bodyPr/>
           <a:lstStyle/>
           <a:p>
-            <a:endParaRPr lang="en-US" dirty="0"/>
+            <a:r>
+              <a:rPr lang="en-US" dirty="0"/>
+              <a:t>Ryan Russell-Yates</a:t>
+            </a:r>
           </a:p>
         </p:txBody>
       </p:sp>
@@ -41399,15 +41402,6 @@
 </file>
 
 <file path=customXml/item1.xml><?xml version="1.0" encoding="utf-8"?>
-<?mso-contentType ?>
-<FormTemplates xmlns="http://schemas.microsoft.com/sharepoint/v3/contenttype/forms">
-  <Display>DocumentLibraryForm</Display>
-  <Edit>DocumentLibraryForm</Edit>
-  <New>DocumentLibraryForm</New>
-</FormTemplates>
-</file>
-
-<file path=customXml/item2.xml><?xml version="1.0" encoding="utf-8"?>
 <ct:contentTypeSchema xmlns:ct="http://schemas.microsoft.com/office/2006/metadata/contentType" xmlns:ma="http://schemas.microsoft.com/office/2006/metadata/properties/metaAttributes" ct:_="" ma:_="" ma:contentTypeName="Document" ma:contentTypeID="0x010100581AC3C96BC25B49BAADFDD2709736A2" ma:contentTypeVersion="13" ma:contentTypeDescription="Create a new document." ma:contentTypeScope="" ma:versionID="46d05e5ad3e10e23d0d91d2c812a342c">
   <xsd:schema xmlns:xsd="http://www.w3.org/2001/XMLSchema" xmlns:xs="http://www.w3.org/2001/XMLSchema" xmlns:p="http://schemas.microsoft.com/office/2006/metadata/properties" xmlns:ns3="61d4b2b7-c11c-4679-a498-c69870ddf3ad" xmlns:ns4="53207a91-4873-4278-88cd-3a5c1985bff7" targetNamespace="http://schemas.microsoft.com/office/2006/metadata/properties" ma:root="true" ma:fieldsID="23414a13395756fa7b20173620af81aa" ns3:_="" ns4:_="">
     <xsd:import namespace="61d4b2b7-c11c-4679-a498-c69870ddf3ad"/>
@@ -41630,6 +41624,15 @@
 </ct:contentTypeSchema>
 </file>
 
+<file path=customXml/item2.xml><?xml version="1.0" encoding="utf-8"?>
+<?mso-contentType ?>
+<FormTemplates xmlns="http://schemas.microsoft.com/sharepoint/v3/contenttype/forms">
+  <Display>DocumentLibraryForm</Display>
+  <Edit>DocumentLibraryForm</Edit>
+  <New>DocumentLibraryForm</New>
+</FormTemplates>
+</file>
+
 <file path=customXml/item3.xml><?xml version="1.0" encoding="utf-8"?>
 <p:properties xmlns:p="http://schemas.microsoft.com/office/2006/metadata/properties" xmlns:pc="http://schemas.microsoft.com/office/infopath/2007/PartnerControls" xmlns:xsi="http://www.w3.org/2001/XMLSchema-instance">
   <documentManagement>
@@ -41646,14 +41649,6 @@
 </file>
 
 <file path=customXml/itemProps1.xml><?xml version="1.0" encoding="utf-8"?>
-<ds:datastoreItem xmlns:ds="http://schemas.openxmlformats.org/officeDocument/2006/customXml" ds:itemID="{758FDAC0-319D-4A54-8D8E-1D42CB1F8004}">
-  <ds:schemaRefs>
-    <ds:schemaRef ds:uri="http://schemas.microsoft.com/sharepoint/v3/contenttype/forms"/>
-  </ds:schemaRefs>
-</ds:datastoreItem>
-</file>
-
-<file path=customXml/itemProps2.xml><?xml version="1.0" encoding="utf-8"?>
 <ds:datastoreItem xmlns:ds="http://schemas.openxmlformats.org/officeDocument/2006/customXml" ds:itemID="{405A328C-4840-403E-8B77-0F15BF1E39AC}">
   <ds:schemaRefs>
     <ds:schemaRef ds:uri="http://schemas.microsoft.com/office/2006/metadata/contentType"/>
@@ -41668,6 +41663,14 @@
     <ds:schemaRef ds:uri="http://purl.org/dc/elements/1.1/"/>
     <ds:schemaRef ds:uri="http://purl.org/dc/terms/"/>
     <ds:schemaRef ds:uri="http://schemas.microsoft.com/internal/obd"/>
+  </ds:schemaRefs>
+</ds:datastoreItem>
+</file>
+
+<file path=customXml/itemProps2.xml><?xml version="1.0" encoding="utf-8"?>
+<ds:datastoreItem xmlns:ds="http://schemas.openxmlformats.org/officeDocument/2006/customXml" ds:itemID="{758FDAC0-319D-4A54-8D8E-1D42CB1F8004}">
+  <ds:schemaRefs>
+    <ds:schemaRef ds:uri="http://schemas.microsoft.com/sharepoint/v3/contenttype/forms"/>
   </ds:schemaRefs>
 </ds:datastoreItem>
 </file>
